--- a/LA GIUNZIONE P-N.pptx
+++ b/LA GIUNZIONE P-N.pptx
@@ -311,7 +311,7 @@
           <a:p>
             <a:fld id="{E743BC0D-A8EE-41F7-9183-AFF5813C299D}" type="datetimeFigureOut">
               <a:rPr lang="it-IT" smtClean="0"/>
-              <a:t>29/05/2020</a:t>
+              <a:t>06/06/20</a:t>
             </a:fld>
             <a:endParaRPr lang="it-IT"/>
           </a:p>
@@ -509,7 +509,7 @@
           <a:p>
             <a:fld id="{E743BC0D-A8EE-41F7-9183-AFF5813C299D}" type="datetimeFigureOut">
               <a:rPr lang="it-IT" smtClean="0"/>
-              <a:t>29/05/2020</a:t>
+              <a:t>06/06/20</a:t>
             </a:fld>
             <a:endParaRPr lang="it-IT"/>
           </a:p>
@@ -717,7 +717,7 @@
           <a:p>
             <a:fld id="{E743BC0D-A8EE-41F7-9183-AFF5813C299D}" type="datetimeFigureOut">
               <a:rPr lang="it-IT" smtClean="0"/>
-              <a:t>29/05/2020</a:t>
+              <a:t>06/06/20</a:t>
             </a:fld>
             <a:endParaRPr lang="it-IT"/>
           </a:p>
@@ -915,7 +915,7 @@
           <a:p>
             <a:fld id="{E743BC0D-A8EE-41F7-9183-AFF5813C299D}" type="datetimeFigureOut">
               <a:rPr lang="it-IT" smtClean="0"/>
-              <a:t>29/05/2020</a:t>
+              <a:t>06/06/20</a:t>
             </a:fld>
             <a:endParaRPr lang="it-IT"/>
           </a:p>
@@ -1190,7 +1190,7 @@
           <a:p>
             <a:fld id="{E743BC0D-A8EE-41F7-9183-AFF5813C299D}" type="datetimeFigureOut">
               <a:rPr lang="it-IT" smtClean="0"/>
-              <a:t>29/05/2020</a:t>
+              <a:t>06/06/20</a:t>
             </a:fld>
             <a:endParaRPr lang="it-IT"/>
           </a:p>
@@ -1455,7 +1455,7 @@
           <a:p>
             <a:fld id="{E743BC0D-A8EE-41F7-9183-AFF5813C299D}" type="datetimeFigureOut">
               <a:rPr lang="it-IT" smtClean="0"/>
-              <a:t>29/05/2020</a:t>
+              <a:t>06/06/20</a:t>
             </a:fld>
             <a:endParaRPr lang="it-IT"/>
           </a:p>
@@ -1867,7 +1867,7 @@
           <a:p>
             <a:fld id="{E743BC0D-A8EE-41F7-9183-AFF5813C299D}" type="datetimeFigureOut">
               <a:rPr lang="it-IT" smtClean="0"/>
-              <a:t>29/05/2020</a:t>
+              <a:t>06/06/20</a:t>
             </a:fld>
             <a:endParaRPr lang="it-IT"/>
           </a:p>
@@ -2008,7 +2008,7 @@
           <a:p>
             <a:fld id="{E743BC0D-A8EE-41F7-9183-AFF5813C299D}" type="datetimeFigureOut">
               <a:rPr lang="it-IT" smtClean="0"/>
-              <a:t>29/05/2020</a:t>
+              <a:t>06/06/20</a:t>
             </a:fld>
             <a:endParaRPr lang="it-IT"/>
           </a:p>
@@ -2121,7 +2121,7 @@
           <a:p>
             <a:fld id="{E743BC0D-A8EE-41F7-9183-AFF5813C299D}" type="datetimeFigureOut">
               <a:rPr lang="it-IT" smtClean="0"/>
-              <a:t>29/05/2020</a:t>
+              <a:t>06/06/20</a:t>
             </a:fld>
             <a:endParaRPr lang="it-IT"/>
           </a:p>
@@ -2432,7 +2432,7 @@
           <a:p>
             <a:fld id="{E743BC0D-A8EE-41F7-9183-AFF5813C299D}" type="datetimeFigureOut">
               <a:rPr lang="it-IT" smtClean="0"/>
-              <a:t>29/05/2020</a:t>
+              <a:t>06/06/20</a:t>
             </a:fld>
             <a:endParaRPr lang="it-IT"/>
           </a:p>
@@ -2720,7 +2720,7 @@
           <a:p>
             <a:fld id="{E743BC0D-A8EE-41F7-9183-AFF5813C299D}" type="datetimeFigureOut">
               <a:rPr lang="it-IT" smtClean="0"/>
-              <a:t>29/05/2020</a:t>
+              <a:t>06/06/20</a:t>
             </a:fld>
             <a:endParaRPr lang="it-IT"/>
           </a:p>
@@ -2961,7 +2961,7 @@
           <a:p>
             <a:fld id="{E743BC0D-A8EE-41F7-9183-AFF5813C299D}" type="datetimeFigureOut">
               <a:rPr lang="it-IT" smtClean="0"/>
-              <a:t>29/05/2020</a:t>
+              <a:t>06/06/20</a:t>
             </a:fld>
             <a:endParaRPr lang="it-IT"/>
           </a:p>
@@ -7813,8 +7813,8 @@
           </a:xfrm>
         </p:spPr>
       </p:pic>
-      <mc:AlternateContent xmlns:mc="http://schemas.openxmlformats.org/markup-compatibility/2006">
-        <mc:Choice xmlns:a14="http://schemas.microsoft.com/office/drawing/2010/main" Requires="a14">
+      <mc:AlternateContent xmlns:mc="http://schemas.openxmlformats.org/markup-compatibility/2006" xmlns:a14="http://schemas.microsoft.com/office/drawing/2010/main">
+        <mc:Choice Requires="a14">
           <p:sp>
             <p:nvSpPr>
               <p:cNvPr id="15" name="CasellaDiTesto 14">
@@ -7843,6 +7843,7 @@
               </a:bodyPr>
               <a:lstStyle/>
               <a:p>
+                <a:pPr/>
                 <a14:m>
                   <m:oMathPara xmlns:m="http://schemas.openxmlformats.org/officeDocument/2006/math">
                     <m:oMathParaPr>
@@ -8054,7 +8055,7 @@
             </p:txBody>
           </p:sp>
         </mc:Choice>
-        <mc:Fallback>
+        <mc:Fallback xmlns="">
           <p:sp>
             <p:nvSpPr>
               <p:cNvPr id="15" name="CasellaDiTesto 14">
